--- a/assets/images/XXXediciones.pptx
+++ b/assets/images/XXXediciones.pptx
@@ -16,6 +16,8 @@
     <p:sldId id="264" r:id="rId10"/>
     <p:sldId id="266" r:id="rId11"/>
     <p:sldId id="265" r:id="rId12"/>
+    <p:sldId id="268" r:id="rId13"/>
+    <p:sldId id="267" r:id="rId14"/>
   </p:sldIdLst>
   <p:sldSz cx="12192000" cy="6858000"/>
   <p:notesSz cx="6858000" cy="9144000"/>
@@ -271,7 +273,7 @@
           <a:p>
             <a:fld id="{BCEBC7D1-70AC-4746-A729-C4432DEFA676}" type="datetimeFigureOut">
               <a:rPr lang="es-MX" smtClean="0"/>
-              <a:t>31/03/2025</a:t>
+              <a:t>02/04/2025</a:t>
             </a:fld>
             <a:endParaRPr lang="es-MX"/>
           </a:p>
@@ -471,7 +473,7 @@
           <a:p>
             <a:fld id="{BCEBC7D1-70AC-4746-A729-C4432DEFA676}" type="datetimeFigureOut">
               <a:rPr lang="es-MX" smtClean="0"/>
-              <a:t>31/03/2025</a:t>
+              <a:t>02/04/2025</a:t>
             </a:fld>
             <a:endParaRPr lang="es-MX"/>
           </a:p>
@@ -681,7 +683,7 @@
           <a:p>
             <a:fld id="{BCEBC7D1-70AC-4746-A729-C4432DEFA676}" type="datetimeFigureOut">
               <a:rPr lang="es-MX" smtClean="0"/>
-              <a:t>31/03/2025</a:t>
+              <a:t>02/04/2025</a:t>
             </a:fld>
             <a:endParaRPr lang="es-MX"/>
           </a:p>
@@ -881,7 +883,7 @@
           <a:p>
             <a:fld id="{BCEBC7D1-70AC-4746-A729-C4432DEFA676}" type="datetimeFigureOut">
               <a:rPr lang="es-MX" smtClean="0"/>
-              <a:t>31/03/2025</a:t>
+              <a:t>02/04/2025</a:t>
             </a:fld>
             <a:endParaRPr lang="es-MX"/>
           </a:p>
@@ -1157,7 +1159,7 @@
           <a:p>
             <a:fld id="{BCEBC7D1-70AC-4746-A729-C4432DEFA676}" type="datetimeFigureOut">
               <a:rPr lang="es-MX" smtClean="0"/>
-              <a:t>31/03/2025</a:t>
+              <a:t>02/04/2025</a:t>
             </a:fld>
             <a:endParaRPr lang="es-MX"/>
           </a:p>
@@ -1425,7 +1427,7 @@
           <a:p>
             <a:fld id="{BCEBC7D1-70AC-4746-A729-C4432DEFA676}" type="datetimeFigureOut">
               <a:rPr lang="es-MX" smtClean="0"/>
-              <a:t>31/03/2025</a:t>
+              <a:t>02/04/2025</a:t>
             </a:fld>
             <a:endParaRPr lang="es-MX"/>
           </a:p>
@@ -1840,7 +1842,7 @@
           <a:p>
             <a:fld id="{BCEBC7D1-70AC-4746-A729-C4432DEFA676}" type="datetimeFigureOut">
               <a:rPr lang="es-MX" smtClean="0"/>
-              <a:t>31/03/2025</a:t>
+              <a:t>02/04/2025</a:t>
             </a:fld>
             <a:endParaRPr lang="es-MX"/>
           </a:p>
@@ -1982,7 +1984,7 @@
           <a:p>
             <a:fld id="{BCEBC7D1-70AC-4746-A729-C4432DEFA676}" type="datetimeFigureOut">
               <a:rPr lang="es-MX" smtClean="0"/>
-              <a:t>31/03/2025</a:t>
+              <a:t>02/04/2025</a:t>
             </a:fld>
             <a:endParaRPr lang="es-MX"/>
           </a:p>
@@ -2095,7 +2097,7 @@
           <a:p>
             <a:fld id="{BCEBC7D1-70AC-4746-A729-C4432DEFA676}" type="datetimeFigureOut">
               <a:rPr lang="es-MX" smtClean="0"/>
-              <a:t>31/03/2025</a:t>
+              <a:t>02/04/2025</a:t>
             </a:fld>
             <a:endParaRPr lang="es-MX"/>
           </a:p>
@@ -2408,7 +2410,7 @@
           <a:p>
             <a:fld id="{BCEBC7D1-70AC-4746-A729-C4432DEFA676}" type="datetimeFigureOut">
               <a:rPr lang="es-MX" smtClean="0"/>
-              <a:t>31/03/2025</a:t>
+              <a:t>02/04/2025</a:t>
             </a:fld>
             <a:endParaRPr lang="es-MX"/>
           </a:p>
@@ -2697,7 +2699,7 @@
           <a:p>
             <a:fld id="{BCEBC7D1-70AC-4746-A729-C4432DEFA676}" type="datetimeFigureOut">
               <a:rPr lang="es-MX" smtClean="0"/>
-              <a:t>31/03/2025</a:t>
+              <a:t>02/04/2025</a:t>
             </a:fld>
             <a:endParaRPr lang="es-MX"/>
           </a:p>
@@ -2940,7 +2942,7 @@
           <a:p>
             <a:fld id="{BCEBC7D1-70AC-4746-A729-C4432DEFA676}" type="datetimeFigureOut">
               <a:rPr lang="es-MX" smtClean="0"/>
-              <a:t>31/03/2025</a:t>
+              <a:t>02/04/2025</a:t>
             </a:fld>
             <a:endParaRPr lang="es-MX"/>
           </a:p>
@@ -3445,10 +3447,10 @@
       </p:grpSpPr>
       <p:sp>
         <p:nvSpPr>
-          <p:cNvPr id="4" name="Rectángulo 3">
-            <a:extLst>
-              <a:ext uri="{FF2B5EF4-FFF2-40B4-BE49-F238E27FC236}">
-                <a16:creationId xmlns:a16="http://schemas.microsoft.com/office/drawing/2014/main" id="{24068B96-64A2-AA80-857E-F0BCAE07853F}"/>
+          <p:cNvPr id="2" name="Rectángulo 1">
+            <a:extLst>
+              <a:ext uri="{FF2B5EF4-FFF2-40B4-BE49-F238E27FC236}">
+                <a16:creationId xmlns:a16="http://schemas.microsoft.com/office/drawing/2014/main" id="{4474E0D9-2EB1-D5BB-0D29-F56F437D8F4A}"/>
               </a:ext>
             </a:extLst>
           </p:cNvPr>
@@ -3457,17 +3459,14 @@
         </p:nvSpPr>
         <p:spPr>
           <a:xfrm>
-            <a:off x="-14390" y="3558"/>
-            <a:ext cx="4688000" cy="6858000"/>
+            <a:off x="-34184" y="0"/>
+            <a:ext cx="6445671" cy="6858000"/>
           </a:xfrm>
           <a:prstGeom prst="rect">
             <a:avLst/>
           </a:prstGeom>
           <a:solidFill>
-            <a:schemeClr val="tx1">
-              <a:lumMod val="85000"/>
-              <a:lumOff val="15000"/>
-            </a:schemeClr>
+            <a:schemeClr val="bg1"/>
           </a:solidFill>
           <a:ln>
             <a:solidFill>
@@ -3524,7 +3523,7 @@
         </p:blipFill>
         <p:spPr>
           <a:xfrm>
-            <a:off x="1055" y="1356359"/>
+            <a:off x="747815" y="1363475"/>
             <a:ext cx="4688000" cy="5498083"/>
           </a:xfrm>
           <a:prstGeom prst="rect">
@@ -3546,7 +3545,7 @@
         </p:nvSpPr>
         <p:spPr>
           <a:xfrm>
-            <a:off x="182880" y="294896"/>
+            <a:off x="1106608" y="332996"/>
             <a:ext cx="4282440" cy="849883"/>
           </a:xfrm>
           <a:prstGeom prst="rect">
@@ -3575,7 +3574,7 @@
                   <a:prstDash val="solid"/>
                 </a:ln>
                 <a:solidFill>
-                  <a:srgbClr val="FFFF00"/>
+                  <a:srgbClr val="2A0282"/>
                 </a:solidFill>
                 <a:effectLst>
                   <a:glow rad="139700">
@@ -3602,7 +3601,7 @@
                 <a:prstDash val="solid"/>
               </a:ln>
               <a:solidFill>
-                <a:srgbClr val="FFFF00"/>
+                <a:srgbClr val="2A0282"/>
               </a:solidFill>
               <a:effectLst>
                 <a:glow rad="139700">
@@ -3654,10 +3653,10 @@
       </p:grpSpPr>
       <p:sp>
         <p:nvSpPr>
-          <p:cNvPr id="4" name="Rectángulo 3">
-            <a:extLst>
-              <a:ext uri="{FF2B5EF4-FFF2-40B4-BE49-F238E27FC236}">
-                <a16:creationId xmlns:a16="http://schemas.microsoft.com/office/drawing/2014/main" id="{24068B96-64A2-AA80-857E-F0BCAE07853F}"/>
+          <p:cNvPr id="2" name="Rectángulo 1">
+            <a:extLst>
+              <a:ext uri="{FF2B5EF4-FFF2-40B4-BE49-F238E27FC236}">
+                <a16:creationId xmlns:a16="http://schemas.microsoft.com/office/drawing/2014/main" id="{72D48F1C-0CCC-3C0B-AC07-DA326DDD8475}"/>
               </a:ext>
             </a:extLst>
           </p:cNvPr>
@@ -3666,17 +3665,14 @@
         </p:nvSpPr>
         <p:spPr>
           <a:xfrm>
-            <a:off x="-14390" y="3558"/>
-            <a:ext cx="4688000" cy="6858000"/>
+            <a:off x="-5184" y="0"/>
+            <a:ext cx="6445671" cy="6858000"/>
           </a:xfrm>
           <a:prstGeom prst="rect">
             <a:avLst/>
           </a:prstGeom>
           <a:solidFill>
-            <a:schemeClr val="tx1">
-              <a:lumMod val="85000"/>
-              <a:lumOff val="15000"/>
-            </a:schemeClr>
+            <a:srgbClr val="FFC000"/>
           </a:solidFill>
           <a:ln>
             <a:solidFill>
@@ -3726,7 +3722,7 @@
         </p:nvSpPr>
         <p:spPr>
           <a:xfrm>
-            <a:off x="243840" y="457200"/>
+            <a:off x="1143550" y="633663"/>
             <a:ext cx="4221480" cy="1342899"/>
           </a:xfrm>
           <a:prstGeom prst="rect">
@@ -3855,7 +3851,7 @@
         </p:blipFill>
         <p:spPr>
           <a:xfrm>
-            <a:off x="0" y="2186672"/>
+            <a:off x="901443" y="2186169"/>
             <a:ext cx="4673610" cy="4673610"/>
           </a:xfrm>
           <a:prstGeom prst="rect">
@@ -3867,6 +3863,288 @@
     <p:extLst>
       <p:ext uri="{BB962C8B-B14F-4D97-AF65-F5344CB8AC3E}">
         <p14:creationId xmlns:p14="http://schemas.microsoft.com/office/powerpoint/2010/main" val="256489176"/>
+      </p:ext>
+    </p:extLst>
+  </p:cSld>
+  <p:clrMapOvr>
+    <a:masterClrMapping/>
+  </p:clrMapOvr>
+</p:sld>
+</file>
+
+<file path=ppt/slides/slide12.xml><?xml version="1.0" encoding="utf-8"?>
+<p:sld xmlns:a="http://schemas.openxmlformats.org/drawingml/2006/main" xmlns:r="http://schemas.openxmlformats.org/officeDocument/2006/relationships" xmlns:p="http://schemas.openxmlformats.org/presentationml/2006/main">
+  <p:cSld>
+    <p:spTree>
+      <p:nvGrpSpPr>
+        <p:cNvPr id="1" name=""/>
+        <p:cNvGrpSpPr/>
+        <p:nvPr/>
+      </p:nvGrpSpPr>
+      <p:grpSpPr>
+        <a:xfrm>
+          <a:off x="0" y="0"/>
+          <a:ext cx="0" cy="0"/>
+          <a:chOff x="0" y="0"/>
+          <a:chExt cx="0" cy="0"/>
+        </a:xfrm>
+      </p:grpSpPr>
+      <p:sp>
+        <p:nvSpPr>
+          <p:cNvPr id="2" name="Rectángulo 1">
+            <a:extLst>
+              <a:ext uri="{FF2B5EF4-FFF2-40B4-BE49-F238E27FC236}">
+                <a16:creationId xmlns:a16="http://schemas.microsoft.com/office/drawing/2014/main" id="{72D48F1C-0CCC-3C0B-AC07-DA326DDD8475}"/>
+              </a:ext>
+            </a:extLst>
+          </p:cNvPr>
+          <p:cNvSpPr/>
+          <p:nvPr/>
+        </p:nvSpPr>
+        <p:spPr>
+          <a:xfrm>
+            <a:off x="0" y="0"/>
+            <a:ext cx="7239000" cy="6858000"/>
+          </a:xfrm>
+          <a:prstGeom prst="rect">
+            <a:avLst/>
+          </a:prstGeom>
+          <a:solidFill>
+            <a:schemeClr val="bg1"/>
+          </a:solidFill>
+          <a:ln>
+            <a:solidFill>
+              <a:schemeClr val="tx1">
+                <a:lumMod val="95000"/>
+                <a:lumOff val="5000"/>
+              </a:schemeClr>
+            </a:solidFill>
+          </a:ln>
+        </p:spPr>
+        <p:style>
+          <a:lnRef idx="2">
+            <a:schemeClr val="dk1">
+              <a:shade val="15000"/>
+            </a:schemeClr>
+          </a:lnRef>
+          <a:fillRef idx="1">
+            <a:schemeClr val="dk1"/>
+          </a:fillRef>
+          <a:effectRef idx="0">
+            <a:schemeClr val="dk1"/>
+          </a:effectRef>
+          <a:fontRef idx="minor">
+            <a:schemeClr val="lt1"/>
+          </a:fontRef>
+        </p:style>
+        <p:txBody>
+          <a:bodyPr rtlCol="0" anchor="ctr"/>
+          <a:lstStyle/>
+          <a:p>
+            <a:pPr algn="ctr"/>
+            <a:endParaRPr lang="es-MX"/>
+          </a:p>
+        </p:txBody>
+      </p:sp>
+      <p:pic>
+        <p:nvPicPr>
+          <p:cNvPr id="4" name="Imagen 3">
+            <a:extLst>
+              <a:ext uri="{FF2B5EF4-FFF2-40B4-BE49-F238E27FC236}">
+                <a16:creationId xmlns:a16="http://schemas.microsoft.com/office/drawing/2014/main" id="{D4C6A892-9193-83D5-C50B-D0FED0E354CC}"/>
+              </a:ext>
+            </a:extLst>
+          </p:cNvPr>
+          <p:cNvPicPr>
+            <a:picLocks noChangeAspect="1"/>
+          </p:cNvPicPr>
+          <p:nvPr/>
+        </p:nvPicPr>
+        <p:blipFill>
+          <a:blip r:embed="rId2">
+            <a:extLst>
+              <a:ext uri="{28A0092B-C50C-407E-A947-70E740481C1C}">
+                <a14:useLocalDpi xmlns:a14="http://schemas.microsoft.com/office/drawing/2010/main" val="0"/>
+              </a:ext>
+            </a:extLst>
+          </a:blip>
+          <a:stretch>
+            <a:fillRect/>
+          </a:stretch>
+        </p:blipFill>
+        <p:spPr>
+          <a:xfrm>
+            <a:off x="1191343" y="185928"/>
+            <a:ext cx="5099304" cy="6242304"/>
+          </a:xfrm>
+          <a:prstGeom prst="rect">
+            <a:avLst/>
+          </a:prstGeom>
+        </p:spPr>
+      </p:pic>
+    </p:spTree>
+    <p:extLst>
+      <p:ext uri="{BB962C8B-B14F-4D97-AF65-F5344CB8AC3E}">
+        <p14:creationId xmlns:p14="http://schemas.microsoft.com/office/powerpoint/2010/main" val="1422159464"/>
+      </p:ext>
+    </p:extLst>
+  </p:cSld>
+  <p:clrMapOvr>
+    <a:masterClrMapping/>
+  </p:clrMapOvr>
+</p:sld>
+</file>
+
+<file path=ppt/slides/slide13.xml><?xml version="1.0" encoding="utf-8"?>
+<p:sld xmlns:a="http://schemas.openxmlformats.org/drawingml/2006/main" xmlns:r="http://schemas.openxmlformats.org/officeDocument/2006/relationships" xmlns:p="http://schemas.openxmlformats.org/presentationml/2006/main">
+  <p:cSld>
+    <p:spTree>
+      <p:nvGrpSpPr>
+        <p:cNvPr id="1" name=""/>
+        <p:cNvGrpSpPr/>
+        <p:nvPr/>
+      </p:nvGrpSpPr>
+      <p:grpSpPr>
+        <a:xfrm>
+          <a:off x="0" y="0"/>
+          <a:ext cx="0" cy="0"/>
+          <a:chOff x="0" y="0"/>
+          <a:chExt cx="0" cy="0"/>
+        </a:xfrm>
+      </p:grpSpPr>
+      <p:sp>
+        <p:nvSpPr>
+          <p:cNvPr id="2" name="Rectángulo 1">
+            <a:extLst>
+              <a:ext uri="{FF2B5EF4-FFF2-40B4-BE49-F238E27FC236}">
+                <a16:creationId xmlns:a16="http://schemas.microsoft.com/office/drawing/2014/main" id="{72D48F1C-0CCC-3C0B-AC07-DA326DDD8475}"/>
+              </a:ext>
+            </a:extLst>
+          </p:cNvPr>
+          <p:cNvSpPr/>
+          <p:nvPr/>
+        </p:nvSpPr>
+        <p:spPr>
+          <a:xfrm>
+            <a:off x="-5184" y="0"/>
+            <a:ext cx="6445671" cy="6858000"/>
+          </a:xfrm>
+          <a:prstGeom prst="rect">
+            <a:avLst/>
+          </a:prstGeom>
+          <a:solidFill>
+            <a:srgbClr val="FFC000"/>
+          </a:solidFill>
+          <a:ln>
+            <a:solidFill>
+              <a:schemeClr val="tx1">
+                <a:lumMod val="95000"/>
+                <a:lumOff val="5000"/>
+              </a:schemeClr>
+            </a:solidFill>
+          </a:ln>
+        </p:spPr>
+        <p:style>
+          <a:lnRef idx="2">
+            <a:schemeClr val="dk1">
+              <a:shade val="15000"/>
+            </a:schemeClr>
+          </a:lnRef>
+          <a:fillRef idx="1">
+            <a:schemeClr val="dk1"/>
+          </a:fillRef>
+          <a:effectRef idx="0">
+            <a:schemeClr val="dk1"/>
+          </a:effectRef>
+          <a:fontRef idx="minor">
+            <a:schemeClr val="lt1"/>
+          </a:fontRef>
+        </p:style>
+        <p:txBody>
+          <a:bodyPr rtlCol="0" anchor="ctr"/>
+          <a:lstStyle/>
+          <a:p>
+            <a:pPr algn="ctr"/>
+            <a:endParaRPr lang="es-MX"/>
+          </a:p>
+        </p:txBody>
+      </p:sp>
+      <p:pic>
+        <p:nvPicPr>
+          <p:cNvPr id="4" name="Imagen 3">
+            <a:extLst>
+              <a:ext uri="{FF2B5EF4-FFF2-40B4-BE49-F238E27FC236}">
+                <a16:creationId xmlns:a16="http://schemas.microsoft.com/office/drawing/2014/main" id="{D4C6A892-9193-83D5-C50B-D0FED0E354CC}"/>
+              </a:ext>
+            </a:extLst>
+          </p:cNvPr>
+          <p:cNvPicPr>
+            <a:picLocks noChangeAspect="1"/>
+          </p:cNvPicPr>
+          <p:nvPr/>
+        </p:nvPicPr>
+        <p:blipFill>
+          <a:blip r:embed="rId2">
+            <a:extLst>
+              <a:ext uri="{28A0092B-C50C-407E-A947-70E740481C1C}">
+                <a14:useLocalDpi xmlns:a14="http://schemas.microsoft.com/office/drawing/2010/main" val="0"/>
+              </a:ext>
+            </a:extLst>
+          </a:blip>
+          <a:stretch>
+            <a:fillRect/>
+          </a:stretch>
+        </p:blipFill>
+        <p:spPr>
+          <a:xfrm>
+            <a:off x="3546348" y="307848"/>
+            <a:ext cx="5099304" cy="6242304"/>
+          </a:xfrm>
+          <a:prstGeom prst="rect">
+            <a:avLst/>
+          </a:prstGeom>
+        </p:spPr>
+      </p:pic>
+      <p:pic>
+        <p:nvPicPr>
+          <p:cNvPr id="6" name="Imagen 5">
+            <a:extLst>
+              <a:ext uri="{FF2B5EF4-FFF2-40B4-BE49-F238E27FC236}">
+                <a16:creationId xmlns:a16="http://schemas.microsoft.com/office/drawing/2014/main" id="{6B305B14-5547-343D-1C26-F6BB0BCBB779}"/>
+              </a:ext>
+            </a:extLst>
+          </p:cNvPr>
+          <p:cNvPicPr>
+            <a:picLocks noChangeAspect="1"/>
+          </p:cNvPicPr>
+          <p:nvPr/>
+        </p:nvPicPr>
+        <p:blipFill>
+          <a:blip r:embed="rId3">
+            <a:extLst>
+              <a:ext uri="{28A0092B-C50C-407E-A947-70E740481C1C}">
+                <a14:useLocalDpi xmlns:a14="http://schemas.microsoft.com/office/drawing/2010/main" val="0"/>
+              </a:ext>
+            </a:extLst>
+          </a:blip>
+          <a:stretch>
+            <a:fillRect/>
+          </a:stretch>
+        </p:blipFill>
+        <p:spPr>
+          <a:xfrm>
+            <a:off x="5539740" y="0"/>
+            <a:ext cx="5715000" cy="6858000"/>
+          </a:xfrm>
+          <a:prstGeom prst="rect">
+            <a:avLst/>
+          </a:prstGeom>
+        </p:spPr>
+      </p:pic>
+    </p:spTree>
+    <p:extLst>
+      <p:ext uri="{BB962C8B-B14F-4D97-AF65-F5344CB8AC3E}">
+        <p14:creationId xmlns:p14="http://schemas.microsoft.com/office/powerpoint/2010/main" val="2056331740"/>
       </p:ext>
     </p:extLst>
   </p:cSld>
@@ -4567,8 +4845,8 @@
         </p:nvSpPr>
         <p:spPr>
           <a:xfrm>
-            <a:off x="-14390" y="3558"/>
-            <a:ext cx="4688000" cy="6858000"/>
+            <a:off x="-14391" y="3558"/>
+            <a:ext cx="6445671" cy="6858000"/>
           </a:xfrm>
           <a:prstGeom prst="rect">
             <a:avLst/>
@@ -4631,8 +4909,8 @@
         </p:blipFill>
         <p:spPr>
           <a:xfrm>
-            <a:off x="401750" y="18798"/>
-            <a:ext cx="3855720" cy="6820404"/>
+            <a:off x="508430" y="18798"/>
+            <a:ext cx="4688000" cy="6820404"/>
           </a:xfrm>
           <a:prstGeom prst="rect">
             <a:avLst/>
@@ -4653,7 +4931,7 @@
         </p:nvSpPr>
         <p:spPr>
           <a:xfrm>
-            <a:off x="3922600" y="3368040"/>
+            <a:off x="4790606" y="3642360"/>
             <a:ext cx="1090950" cy="1737360"/>
           </a:xfrm>
           <a:prstGeom prst="rect">
@@ -4698,10 +4976,10 @@
       </p:sp>
       <p:sp>
         <p:nvSpPr>
-          <p:cNvPr id="6" name="Rectángulo 5">
-            <a:extLst>
-              <a:ext uri="{FF2B5EF4-FFF2-40B4-BE49-F238E27FC236}">
-                <a16:creationId xmlns:a16="http://schemas.microsoft.com/office/drawing/2014/main" id="{8741510A-76DD-93F4-EB43-EB08C438FAA0}"/>
+          <p:cNvPr id="8" name="Rectángulo 7">
+            <a:extLst>
+              <a:ext uri="{FF2B5EF4-FFF2-40B4-BE49-F238E27FC236}">
+                <a16:creationId xmlns:a16="http://schemas.microsoft.com/office/drawing/2014/main" id="{C32F99B4-2AFA-EFEB-3EF4-F0880DFA57CC}"/>
               </a:ext>
             </a:extLst>
           </p:cNvPr>
@@ -4710,8 +4988,214 @@
         </p:nvSpPr>
         <p:spPr>
           <a:xfrm>
-            <a:off x="4143580" y="2895600"/>
-            <a:ext cx="1090950" cy="1737360"/>
+            <a:off x="829085" y="371096"/>
+            <a:ext cx="3474310" cy="849883"/>
+          </a:xfrm>
+          <a:prstGeom prst="rect">
+            <a:avLst/>
+          </a:prstGeom>
+          <a:noFill/>
+        </p:spPr>
+        <p:txBody>
+          <a:bodyPr wrap="square" lIns="91440" tIns="45720" rIns="91440" bIns="45720">
+            <a:prstTxWarp prst="textDeflateBottom">
+              <a:avLst/>
+            </a:prstTxWarp>
+            <a:spAutoFit/>
+          </a:bodyPr>
+          <a:lstStyle/>
+          <a:p>
+            <a:pPr algn="ctr"/>
+            <a:r>
+              <a:rPr lang="es-ES" sz="4400" b="1" dirty="0">
+                <a:ln w="9525">
+                  <a:solidFill>
+                    <a:srgbClr val="FFFF00"/>
+                  </a:solidFill>
+                  <a:prstDash val="solid"/>
+                </a:ln>
+                <a:solidFill>
+                  <a:srgbClr val="00B0F0"/>
+                </a:solidFill>
+                <a:effectLst>
+                  <a:glow rad="139700">
+                    <a:schemeClr val="accent2">
+                      <a:satMod val="175000"/>
+                      <a:alpha val="40000"/>
+                    </a:schemeClr>
+                  </a:glow>
+                  <a:outerShdw blurRad="12700" dist="38100" dir="2700000" algn="tl" rotWithShape="0">
+                    <a:schemeClr val="accent5">
+                      <a:lumMod val="60000"/>
+                      <a:lumOff val="40000"/>
+                    </a:schemeClr>
+                  </a:outerShdw>
+                </a:effectLst>
+              </a:rPr>
+              <a:t>EXITOS</a:t>
+            </a:r>
+            <a:endParaRPr lang="es-ES" sz="4400" b="1" cap="none" spc="0" dirty="0">
+              <a:ln w="9525">
+                <a:solidFill>
+                  <a:srgbClr val="FFFF00"/>
+                </a:solidFill>
+                <a:prstDash val="solid"/>
+              </a:ln>
+              <a:solidFill>
+                <a:srgbClr val="00B0F0"/>
+              </a:solidFill>
+              <a:effectLst>
+                <a:glow rad="139700">
+                  <a:schemeClr val="accent2">
+                    <a:satMod val="175000"/>
+                    <a:alpha val="40000"/>
+                  </a:schemeClr>
+                </a:glow>
+                <a:outerShdw blurRad="12700" dist="38100" dir="2700000" algn="tl" rotWithShape="0">
+                  <a:schemeClr val="accent5">
+                    <a:lumMod val="60000"/>
+                    <a:lumOff val="40000"/>
+                  </a:schemeClr>
+                </a:outerShdw>
+              </a:effectLst>
+            </a:endParaRPr>
+          </a:p>
+        </p:txBody>
+      </p:sp>
+      <p:sp>
+        <p:nvSpPr>
+          <p:cNvPr id="13" name="Rectángulo 12">
+            <a:extLst>
+              <a:ext uri="{FF2B5EF4-FFF2-40B4-BE49-F238E27FC236}">
+                <a16:creationId xmlns:a16="http://schemas.microsoft.com/office/drawing/2014/main" id="{6F03EBC8-18A7-2712-F411-4F444122BE8A}"/>
+              </a:ext>
+            </a:extLst>
+          </p:cNvPr>
+          <p:cNvSpPr/>
+          <p:nvPr/>
+        </p:nvSpPr>
+        <p:spPr>
+          <a:xfrm>
+            <a:off x="778705" y="1397128"/>
+            <a:ext cx="3474310" cy="849883"/>
+          </a:xfrm>
+          <a:prstGeom prst="rect">
+            <a:avLst/>
+          </a:prstGeom>
+          <a:noFill/>
+        </p:spPr>
+        <p:txBody>
+          <a:bodyPr wrap="square" lIns="91440" tIns="45720" rIns="91440" bIns="45720">
+            <a:prstTxWarp prst="textDeflateBottom">
+              <a:avLst/>
+            </a:prstTxWarp>
+            <a:spAutoFit/>
+          </a:bodyPr>
+          <a:lstStyle/>
+          <a:p>
+            <a:pPr algn="ctr"/>
+            <a:r>
+              <a:rPr lang="es-ES" sz="4400" b="1" dirty="0">
+                <a:ln w="9525">
+                  <a:solidFill>
+                    <a:srgbClr val="FFFF00"/>
+                  </a:solidFill>
+                  <a:prstDash val="solid"/>
+                </a:ln>
+                <a:solidFill>
+                  <a:srgbClr val="00B0F0"/>
+                </a:solidFill>
+                <a:effectLst>
+                  <a:glow rad="139700">
+                    <a:schemeClr val="accent2">
+                      <a:satMod val="175000"/>
+                      <a:alpha val="40000"/>
+                    </a:schemeClr>
+                  </a:glow>
+                  <a:outerShdw blurRad="12700" dist="38100" dir="2700000" algn="tl" rotWithShape="0">
+                    <a:schemeClr val="accent5">
+                      <a:lumMod val="60000"/>
+                      <a:lumOff val="40000"/>
+                    </a:schemeClr>
+                  </a:outerShdw>
+                </a:effectLst>
+              </a:rPr>
+              <a:t>70´S</a:t>
+            </a:r>
+            <a:endParaRPr lang="es-ES" sz="4400" b="1" cap="none" spc="0" dirty="0">
+              <a:ln w="9525">
+                <a:solidFill>
+                  <a:srgbClr val="FFFF00"/>
+                </a:solidFill>
+                <a:prstDash val="solid"/>
+              </a:ln>
+              <a:solidFill>
+                <a:srgbClr val="00B0F0"/>
+              </a:solidFill>
+              <a:effectLst>
+                <a:glow rad="139700">
+                  <a:schemeClr val="accent2">
+                    <a:satMod val="175000"/>
+                    <a:alpha val="40000"/>
+                  </a:schemeClr>
+                </a:glow>
+                <a:outerShdw blurRad="12700" dist="38100" dir="2700000" algn="tl" rotWithShape="0">
+                  <a:schemeClr val="accent5">
+                    <a:lumMod val="60000"/>
+                    <a:lumOff val="40000"/>
+                  </a:schemeClr>
+                </a:outerShdw>
+              </a:effectLst>
+            </a:endParaRPr>
+          </a:p>
+        </p:txBody>
+      </p:sp>
+    </p:spTree>
+    <p:extLst>
+      <p:ext uri="{BB962C8B-B14F-4D97-AF65-F5344CB8AC3E}">
+        <p14:creationId xmlns:p14="http://schemas.microsoft.com/office/powerpoint/2010/main" val="4283431245"/>
+      </p:ext>
+    </p:extLst>
+  </p:cSld>
+  <p:clrMapOvr>
+    <a:masterClrMapping/>
+  </p:clrMapOvr>
+</p:sld>
+</file>
+
+<file path=ppt/slides/slide9.xml><?xml version="1.0" encoding="utf-8"?>
+<p:sld xmlns:a="http://schemas.openxmlformats.org/drawingml/2006/main" xmlns:r="http://schemas.openxmlformats.org/officeDocument/2006/relationships" xmlns:p="http://schemas.openxmlformats.org/presentationml/2006/main">
+  <p:cSld>
+    <p:spTree>
+      <p:nvGrpSpPr>
+        <p:cNvPr id="1" name=""/>
+        <p:cNvGrpSpPr/>
+        <p:nvPr/>
+      </p:nvGrpSpPr>
+      <p:grpSpPr>
+        <a:xfrm>
+          <a:off x="0" y="0"/>
+          <a:ext cx="0" cy="0"/>
+          <a:chOff x="0" y="0"/>
+          <a:chExt cx="0" cy="0"/>
+        </a:xfrm>
+      </p:grpSpPr>
+      <p:sp>
+        <p:nvSpPr>
+          <p:cNvPr id="2" name="Rectángulo 1">
+            <a:extLst>
+              <a:ext uri="{FF2B5EF4-FFF2-40B4-BE49-F238E27FC236}">
+                <a16:creationId xmlns:a16="http://schemas.microsoft.com/office/drawing/2014/main" id="{AFDA7254-67AB-9E1C-8E74-39CB967AE29B}"/>
+              </a:ext>
+            </a:extLst>
+          </p:cNvPr>
+          <p:cNvSpPr/>
+          <p:nvPr/>
+        </p:nvSpPr>
+        <p:spPr>
+          <a:xfrm>
+            <a:off x="15413" y="0"/>
+            <a:ext cx="6445671" cy="6858000"/>
           </a:xfrm>
           <a:prstGeom prst="rect">
             <a:avLst/>
@@ -4753,299 +5237,6 @@
           </a:p>
         </p:txBody>
       </p:sp>
-      <p:sp>
-        <p:nvSpPr>
-          <p:cNvPr id="8" name="Rectángulo 7">
-            <a:extLst>
-              <a:ext uri="{FF2B5EF4-FFF2-40B4-BE49-F238E27FC236}">
-                <a16:creationId xmlns:a16="http://schemas.microsoft.com/office/drawing/2014/main" id="{C32F99B4-2AFA-EFEB-3EF4-F0880DFA57CC}"/>
-              </a:ext>
-            </a:extLst>
-          </p:cNvPr>
-          <p:cNvSpPr/>
-          <p:nvPr/>
-        </p:nvSpPr>
-        <p:spPr>
-          <a:xfrm>
-            <a:off x="829085" y="371096"/>
-            <a:ext cx="3474310" cy="849883"/>
-          </a:xfrm>
-          <a:prstGeom prst="rect">
-            <a:avLst/>
-          </a:prstGeom>
-          <a:noFill/>
-        </p:spPr>
-        <p:txBody>
-          <a:bodyPr wrap="square" lIns="91440" tIns="45720" rIns="91440" bIns="45720">
-            <a:prstTxWarp prst="textDeflateBottom">
-              <a:avLst/>
-            </a:prstTxWarp>
-            <a:spAutoFit/>
-          </a:bodyPr>
-          <a:lstStyle/>
-          <a:p>
-            <a:pPr algn="ctr"/>
-            <a:r>
-              <a:rPr lang="es-ES" sz="4400" b="1" dirty="0">
-                <a:ln w="9525">
-                  <a:solidFill>
-                    <a:srgbClr val="FFFF00"/>
-                  </a:solidFill>
-                  <a:prstDash val="solid"/>
-                </a:ln>
-                <a:solidFill>
-                  <a:srgbClr val="00B0F0"/>
-                </a:solidFill>
-                <a:effectLst>
-                  <a:glow rad="139700">
-                    <a:schemeClr val="accent2">
-                      <a:satMod val="175000"/>
-                      <a:alpha val="40000"/>
-                    </a:schemeClr>
-                  </a:glow>
-                  <a:outerShdw blurRad="12700" dist="38100" dir="2700000" algn="tl" rotWithShape="0">
-                    <a:schemeClr val="accent5">
-                      <a:lumMod val="60000"/>
-                      <a:lumOff val="40000"/>
-                    </a:schemeClr>
-                  </a:outerShdw>
-                </a:effectLst>
-              </a:rPr>
-              <a:t>EXITOS</a:t>
-            </a:r>
-            <a:endParaRPr lang="es-ES" sz="4400" b="1" cap="none" spc="0" dirty="0">
-              <a:ln w="9525">
-                <a:solidFill>
-                  <a:srgbClr val="FFFF00"/>
-                </a:solidFill>
-                <a:prstDash val="solid"/>
-              </a:ln>
-              <a:solidFill>
-                <a:srgbClr val="00B0F0"/>
-              </a:solidFill>
-              <a:effectLst>
-                <a:glow rad="139700">
-                  <a:schemeClr val="accent2">
-                    <a:satMod val="175000"/>
-                    <a:alpha val="40000"/>
-                  </a:schemeClr>
-                </a:glow>
-                <a:outerShdw blurRad="12700" dist="38100" dir="2700000" algn="tl" rotWithShape="0">
-                  <a:schemeClr val="accent5">
-                    <a:lumMod val="60000"/>
-                    <a:lumOff val="40000"/>
-                  </a:schemeClr>
-                </a:outerShdw>
-              </a:effectLst>
-            </a:endParaRPr>
-          </a:p>
-        </p:txBody>
-      </p:sp>
-      <p:sp>
-        <p:nvSpPr>
-          <p:cNvPr id="13" name="Rectángulo 12">
-            <a:extLst>
-              <a:ext uri="{FF2B5EF4-FFF2-40B4-BE49-F238E27FC236}">
-                <a16:creationId xmlns:a16="http://schemas.microsoft.com/office/drawing/2014/main" id="{6F03EBC8-18A7-2712-F411-4F444122BE8A}"/>
-              </a:ext>
-            </a:extLst>
-          </p:cNvPr>
-          <p:cNvSpPr/>
-          <p:nvPr/>
-        </p:nvSpPr>
-        <p:spPr>
-          <a:xfrm>
-            <a:off x="778705" y="1397128"/>
-            <a:ext cx="3474310" cy="849883"/>
-          </a:xfrm>
-          <a:prstGeom prst="rect">
-            <a:avLst/>
-          </a:prstGeom>
-          <a:noFill/>
-        </p:spPr>
-        <p:txBody>
-          <a:bodyPr wrap="square" lIns="91440" tIns="45720" rIns="91440" bIns="45720">
-            <a:prstTxWarp prst="textDeflateBottom">
-              <a:avLst/>
-            </a:prstTxWarp>
-            <a:spAutoFit/>
-          </a:bodyPr>
-          <a:lstStyle/>
-          <a:p>
-            <a:pPr algn="ctr"/>
-            <a:r>
-              <a:rPr lang="es-ES" sz="4400" b="1" dirty="0">
-                <a:ln w="9525">
-                  <a:solidFill>
-                    <a:srgbClr val="FFFF00"/>
-                  </a:solidFill>
-                  <a:prstDash val="solid"/>
-                </a:ln>
-                <a:solidFill>
-                  <a:srgbClr val="00B0F0"/>
-                </a:solidFill>
-                <a:effectLst>
-                  <a:glow rad="139700">
-                    <a:schemeClr val="accent2">
-                      <a:satMod val="175000"/>
-                      <a:alpha val="40000"/>
-                    </a:schemeClr>
-                  </a:glow>
-                  <a:outerShdw blurRad="12700" dist="38100" dir="2700000" algn="tl" rotWithShape="0">
-                    <a:schemeClr val="accent5">
-                      <a:lumMod val="60000"/>
-                      <a:lumOff val="40000"/>
-                    </a:schemeClr>
-                  </a:outerShdw>
-                </a:effectLst>
-              </a:rPr>
-              <a:t>70´S</a:t>
-            </a:r>
-            <a:endParaRPr lang="es-ES" sz="4400" b="1" cap="none" spc="0" dirty="0">
-              <a:ln w="9525">
-                <a:solidFill>
-                  <a:srgbClr val="FFFF00"/>
-                </a:solidFill>
-                <a:prstDash val="solid"/>
-              </a:ln>
-              <a:solidFill>
-                <a:srgbClr val="00B0F0"/>
-              </a:solidFill>
-              <a:effectLst>
-                <a:glow rad="139700">
-                  <a:schemeClr val="accent2">
-                    <a:satMod val="175000"/>
-                    <a:alpha val="40000"/>
-                  </a:schemeClr>
-                </a:glow>
-                <a:outerShdw blurRad="12700" dist="38100" dir="2700000" algn="tl" rotWithShape="0">
-                  <a:schemeClr val="accent5">
-                    <a:lumMod val="60000"/>
-                    <a:lumOff val="40000"/>
-                  </a:schemeClr>
-                </a:outerShdw>
-              </a:effectLst>
-            </a:endParaRPr>
-          </a:p>
-        </p:txBody>
-      </p:sp>
-    </p:spTree>
-    <p:extLst>
-      <p:ext uri="{BB962C8B-B14F-4D97-AF65-F5344CB8AC3E}">
-        <p14:creationId xmlns:p14="http://schemas.microsoft.com/office/powerpoint/2010/main" val="4283431245"/>
-      </p:ext>
-    </p:extLst>
-  </p:cSld>
-  <p:clrMapOvr>
-    <a:masterClrMapping/>
-  </p:clrMapOvr>
-</p:sld>
-</file>
-
-<file path=ppt/slides/slide9.xml><?xml version="1.0" encoding="utf-8"?>
-<p:sld xmlns:a="http://schemas.openxmlformats.org/drawingml/2006/main" xmlns:r="http://schemas.openxmlformats.org/officeDocument/2006/relationships" xmlns:p="http://schemas.openxmlformats.org/presentationml/2006/main">
-  <p:cSld>
-    <p:spTree>
-      <p:nvGrpSpPr>
-        <p:cNvPr id="1" name=""/>
-        <p:cNvGrpSpPr/>
-        <p:nvPr/>
-      </p:nvGrpSpPr>
-      <p:grpSpPr>
-        <a:xfrm>
-          <a:off x="0" y="0"/>
-          <a:ext cx="0" cy="0"/>
-          <a:chOff x="0" y="0"/>
-          <a:chExt cx="0" cy="0"/>
-        </a:xfrm>
-      </p:grpSpPr>
-      <p:sp>
-        <p:nvSpPr>
-          <p:cNvPr id="4" name="Rectángulo 3">
-            <a:extLst>
-              <a:ext uri="{FF2B5EF4-FFF2-40B4-BE49-F238E27FC236}">
-                <a16:creationId xmlns:a16="http://schemas.microsoft.com/office/drawing/2014/main" id="{24068B96-64A2-AA80-857E-F0BCAE07853F}"/>
-              </a:ext>
-            </a:extLst>
-          </p:cNvPr>
-          <p:cNvSpPr/>
-          <p:nvPr/>
-        </p:nvSpPr>
-        <p:spPr>
-          <a:xfrm>
-            <a:off x="-14390" y="3558"/>
-            <a:ext cx="4688000" cy="6858000"/>
-          </a:xfrm>
-          <a:prstGeom prst="rect">
-            <a:avLst/>
-          </a:prstGeom>
-          <a:solidFill>
-            <a:schemeClr val="tx1"/>
-          </a:solidFill>
-          <a:ln>
-            <a:solidFill>
-              <a:schemeClr val="tx1">
-                <a:lumMod val="95000"/>
-                <a:lumOff val="5000"/>
-              </a:schemeClr>
-            </a:solidFill>
-          </a:ln>
-        </p:spPr>
-        <p:style>
-          <a:lnRef idx="2">
-            <a:schemeClr val="dk1">
-              <a:shade val="15000"/>
-            </a:schemeClr>
-          </a:lnRef>
-          <a:fillRef idx="1">
-            <a:schemeClr val="dk1"/>
-          </a:fillRef>
-          <a:effectRef idx="0">
-            <a:schemeClr val="dk1"/>
-          </a:effectRef>
-          <a:fontRef idx="minor">
-            <a:schemeClr val="lt1"/>
-          </a:fontRef>
-        </p:style>
-        <p:txBody>
-          <a:bodyPr rtlCol="0" anchor="ctr"/>
-          <a:lstStyle/>
-          <a:p>
-            <a:pPr algn="ctr"/>
-            <a:endParaRPr lang="es-MX"/>
-          </a:p>
-        </p:txBody>
-      </p:sp>
-      <p:pic>
-        <p:nvPicPr>
-          <p:cNvPr id="3" name="Imagen 2">
-            <a:extLst>
-              <a:ext uri="{FF2B5EF4-FFF2-40B4-BE49-F238E27FC236}">
-                <a16:creationId xmlns:a16="http://schemas.microsoft.com/office/drawing/2014/main" id="{997D9056-5F6C-F86A-2A49-FF7D622DA3D5}"/>
-              </a:ext>
-            </a:extLst>
-          </p:cNvPr>
-          <p:cNvPicPr>
-            <a:picLocks noChangeAspect="1"/>
-          </p:cNvPicPr>
-          <p:nvPr/>
-        </p:nvPicPr>
-        <p:blipFill>
-          <a:blip r:embed="rId2"/>
-          <a:stretch>
-            <a:fillRect/>
-          </a:stretch>
-        </p:blipFill>
-        <p:spPr>
-          <a:xfrm>
-            <a:off x="5943600" y="2319274"/>
-            <a:ext cx="7010400" cy="3943350"/>
-          </a:xfrm>
-          <a:prstGeom prst="rect">
-            <a:avLst/>
-          </a:prstGeom>
-        </p:spPr>
-      </p:pic>
       <p:sp>
         <p:nvSpPr>
           <p:cNvPr id="6" name="Rectángulo 5">
@@ -5127,7 +5318,7 @@
         </p:blipFill>
         <p:spPr>
           <a:xfrm>
-            <a:off x="824424" y="1185800"/>
+            <a:off x="2192183" y="1231520"/>
             <a:ext cx="2803955" cy="5626480"/>
           </a:xfrm>
           <a:prstGeom prst="rect">
@@ -5149,7 +5340,7 @@
         </p:nvSpPr>
         <p:spPr>
           <a:xfrm>
-            <a:off x="661445" y="371096"/>
+            <a:off x="1469165" y="371096"/>
             <a:ext cx="3474310" cy="849883"/>
           </a:xfrm>
           <a:prstGeom prst="rect">
@@ -5243,7 +5434,7 @@
         </p:nvSpPr>
         <p:spPr>
           <a:xfrm>
-            <a:off x="210368" y="3733800"/>
+            <a:off x="1571185" y="3772790"/>
             <a:ext cx="801084" cy="1737360"/>
           </a:xfrm>
           <a:prstGeom prst="rect">
@@ -5300,7 +5491,7 @@
         </p:nvSpPr>
         <p:spPr>
           <a:xfrm>
-            <a:off x="370543" y="2553589"/>
+            <a:off x="1671726" y="2478027"/>
             <a:ext cx="801084" cy="1737360"/>
           </a:xfrm>
           <a:prstGeom prst="rect">
@@ -5357,7 +5548,7 @@
         </p:nvSpPr>
         <p:spPr>
           <a:xfrm>
-            <a:off x="778705" y="1397128"/>
+            <a:off x="1586425" y="1397128"/>
             <a:ext cx="3474310" cy="849883"/>
           </a:xfrm>
           <a:prstGeom prst="rect">

--- a/assets/images/XXXediciones.pptx
+++ b/assets/images/XXXediciones.pptx
@@ -4014,10 +4014,10 @@
       </p:grpSpPr>
       <p:sp>
         <p:nvSpPr>
-          <p:cNvPr id="2" name="Rectángulo 1">
-            <a:extLst>
-              <a:ext uri="{FF2B5EF4-FFF2-40B4-BE49-F238E27FC236}">
-                <a16:creationId xmlns:a16="http://schemas.microsoft.com/office/drawing/2014/main" id="{72D48F1C-0CCC-3C0B-AC07-DA326DDD8475}"/>
+          <p:cNvPr id="7" name="Rectángulo 6">
+            <a:extLst>
+              <a:ext uri="{FF2B5EF4-FFF2-40B4-BE49-F238E27FC236}">
+                <a16:creationId xmlns:a16="http://schemas.microsoft.com/office/drawing/2014/main" id="{A720D3A8-5877-126A-627D-A906A32E3836}"/>
               </a:ext>
             </a:extLst>
           </p:cNvPr>
@@ -4026,14 +4026,14 @@
         </p:nvSpPr>
         <p:spPr>
           <a:xfrm>
-            <a:off x="-5184" y="0"/>
-            <a:ext cx="6445671" cy="6858000"/>
+            <a:off x="0" y="0"/>
+            <a:ext cx="7239000" cy="6858000"/>
           </a:xfrm>
           <a:prstGeom prst="rect">
             <a:avLst/>
           </a:prstGeom>
           <a:solidFill>
-            <a:srgbClr val="FFC000"/>
+            <a:schemeClr val="bg1"/>
           </a:solidFill>
           <a:ln>
             <a:solidFill>
@@ -4071,10 +4071,10 @@
       </p:sp>
       <p:pic>
         <p:nvPicPr>
-          <p:cNvPr id="4" name="Imagen 3">
-            <a:extLst>
-              <a:ext uri="{FF2B5EF4-FFF2-40B4-BE49-F238E27FC236}">
-                <a16:creationId xmlns:a16="http://schemas.microsoft.com/office/drawing/2014/main" id="{D4C6A892-9193-83D5-C50B-D0FED0E354CC}"/>
+          <p:cNvPr id="6" name="Imagen 5">
+            <a:extLst>
+              <a:ext uri="{FF2B5EF4-FFF2-40B4-BE49-F238E27FC236}">
+                <a16:creationId xmlns:a16="http://schemas.microsoft.com/office/drawing/2014/main" id="{6B305B14-5547-343D-1C26-F6BB0BCBB779}"/>
               </a:ext>
             </a:extLst>
           </p:cNvPr>
@@ -4097,44 +4097,8 @@
         </p:blipFill>
         <p:spPr>
           <a:xfrm>
-            <a:off x="3546348" y="307848"/>
-            <a:ext cx="5099304" cy="6242304"/>
-          </a:xfrm>
-          <a:prstGeom prst="rect">
-            <a:avLst/>
-          </a:prstGeom>
-        </p:spPr>
-      </p:pic>
-      <p:pic>
-        <p:nvPicPr>
-          <p:cNvPr id="6" name="Imagen 5">
-            <a:extLst>
-              <a:ext uri="{FF2B5EF4-FFF2-40B4-BE49-F238E27FC236}">
-                <a16:creationId xmlns:a16="http://schemas.microsoft.com/office/drawing/2014/main" id="{6B305B14-5547-343D-1C26-F6BB0BCBB779}"/>
-              </a:ext>
-            </a:extLst>
-          </p:cNvPr>
-          <p:cNvPicPr>
-            <a:picLocks noChangeAspect="1"/>
-          </p:cNvPicPr>
-          <p:nvPr/>
-        </p:nvPicPr>
-        <p:blipFill>
-          <a:blip r:embed="rId3">
-            <a:extLst>
-              <a:ext uri="{28A0092B-C50C-407E-A947-70E740481C1C}">
-                <a14:useLocalDpi xmlns:a14="http://schemas.microsoft.com/office/drawing/2010/main" val="0"/>
-              </a:ext>
-            </a:extLst>
-          </a:blip>
-          <a:stretch>
-            <a:fillRect/>
-          </a:stretch>
-        </p:blipFill>
-        <p:spPr>
-          <a:xfrm>
-            <a:off x="5539740" y="0"/>
-            <a:ext cx="5715000" cy="6858000"/>
+            <a:off x="1021080" y="152400"/>
+            <a:ext cx="5486400" cy="6583680"/>
           </a:xfrm>
           <a:prstGeom prst="rect">
             <a:avLst/>
